--- a/Zoomak.pptx
+++ b/Zoomak.pptx
@@ -4122,23 +4122,7 @@
                   <a:schemeClr val="bg1"/>
                 </a:solidFill>
               </a:rPr>
-              <a:t>Zoo – </a:t>
-            </a:r>
-            <a:r>
-              <a:rPr lang="en-US" dirty="0" err="1">
-                <a:solidFill>
-                  <a:schemeClr val="bg1"/>
-                </a:solidFill>
-              </a:rPr>
-              <a:t>Mak</a:t>
-            </a:r>
-            <a:r>
-              <a:rPr lang="en-US" dirty="0">
-                <a:solidFill>
-                  <a:schemeClr val="bg1"/>
-                </a:solidFill>
-              </a:rPr>
-              <a:t>)</a:t>
+              <a:t>Zoo – Mark)</a:t>
             </a:r>
           </a:p>
         </p:txBody>
@@ -4254,6 +4238,45 @@
           </a:p>
         </p:txBody>
       </p:sp>
+      <p:pic>
+        <p:nvPicPr>
+          <p:cNvPr id="5" name="그래픽 4">
+            <a:extLst>
+              <a:ext uri="{FF2B5EF4-FFF2-40B4-BE49-F238E27FC236}">
+                <a16:creationId xmlns:a16="http://schemas.microsoft.com/office/drawing/2014/main" id="{A3DF9831-C624-40E8-B78D-CA7827AE8C5C}"/>
+              </a:ext>
+            </a:extLst>
+          </p:cNvPr>
+          <p:cNvPicPr>
+            <a:picLocks noChangeAspect="1"/>
+          </p:cNvPicPr>
+          <p:nvPr/>
+        </p:nvPicPr>
+        <p:blipFill>
+          <a:blip r:embed="rId3">
+            <a:extLst>
+              <a:ext uri="{28A0092B-C50C-407E-A947-70E740481C1C}">
+                <a14:useLocalDpi xmlns:a14="http://schemas.microsoft.com/office/drawing/2010/main" val="0"/>
+              </a:ext>
+              <a:ext uri="{96DAC541-7B7A-43D3-8B79-37D633B846F1}">
+                <asvg:svgBlip xmlns:asvg="http://schemas.microsoft.com/office/drawing/2016/SVG/main" r:embed="rId4"/>
+              </a:ext>
+            </a:extLst>
+          </a:blip>
+          <a:stretch>
+            <a:fillRect/>
+          </a:stretch>
+        </p:blipFill>
+        <p:spPr>
+          <a:xfrm>
+            <a:off x="-11131759" y="-284782"/>
+            <a:ext cx="10042260" cy="10028215"/>
+          </a:xfrm>
+          <a:prstGeom prst="rect">
+            <a:avLst/>
+          </a:prstGeom>
+        </p:spPr>
+      </p:pic>
     </p:spTree>
     <p:extLst>
       <p:ext uri="{BB962C8B-B14F-4D97-AF65-F5344CB8AC3E}">
